--- a/test/pptx_automation/재물조사라벨.pptx
+++ b/test/pptx_automation/재물조사라벨.pptx
@@ -3888,7 +3888,21 @@
       </a:bgFillStyleLst>
     </a:fmtScheme>
   </a:themeElements>
-  <a:objectDefaults/>
+  <a:objectDefaults>
+    <a:txDef>
+      <a:spPr>
+        <a:noFill/>
+      </a:spPr>
+      <a:bodyPr wrap="square" rtlCol="0">
+        <a:spAutoFit/>
+      </a:bodyPr>
+      <a:lstStyle>
+        <a:defPPr algn="l">
+          <a:defRPr sz="4400" dirty="0"/>
+        </a:defPPr>
+      </a:lstStyle>
+    </a:txDef>
+  </a:objectDefaults>
   <a:extraClrSchemeLst/>
   <a:extLst>
     <a:ext uri="{05A4C25C-085E-4340-85A3-A5531E510DB2}">

--- a/test/pptx_automation/재물조사라벨.pptx
+++ b/test/pptx_automation/재물조사라벨.pptx
@@ -3491,7 +3491,7 @@
       </p:sp>
       <p:sp>
         <p:nvSpPr>
-          <p:cNvPr id="14" name="TextBox 13">
+          <p:cNvPr id="14" name="product_name">
             <a:extLst>
               <a:ext uri="{FF2B5EF4-FFF2-40B4-BE49-F238E27FC236}">
                 <a16:creationId xmlns:a16="http://schemas.microsoft.com/office/drawing/2014/main" id="{E71F6882-8F67-494C-07B4-3ADA05411AAB}"/>
@@ -3543,7 +3543,7 @@
       </p:sp>
       <p:sp>
         <p:nvSpPr>
-          <p:cNvPr id="15" name="TextBox 14">
+          <p:cNvPr id="15" name="model_no">
             <a:extLst>
               <a:ext uri="{FF2B5EF4-FFF2-40B4-BE49-F238E27FC236}">
                 <a16:creationId xmlns:a16="http://schemas.microsoft.com/office/drawing/2014/main" id="{73451ED6-545B-BFB3-ED91-1A72437987E8}"/>
